--- a/Final Project.pptx
+++ b/Final Project.pptx
@@ -3550,6 +3550,30 @@
 <file path=ppt/slides/slide1.xml><?xml version="1.0" encoding="utf-8"?>
 <p:sld xmlns:a="http://schemas.openxmlformats.org/drawingml/2006/main" xmlns:r="http://schemas.openxmlformats.org/officeDocument/2006/relationships" xmlns:p="http://schemas.openxmlformats.org/presentationml/2006/main">
   <p:cSld>
+    <p:bg>
+      <p:bgPr>
+        <a:gradFill rotWithShape="1">
+          <a:gsLst>
+            <a:gs pos="0">
+              <a:schemeClr val="bg2">
+                <a:tint val="94000"/>
+                <a:satMod val="80000"/>
+                <a:lumMod val="106000"/>
+              </a:schemeClr>
+            </a:gs>
+            <a:gs pos="100000">
+              <a:schemeClr val="bg2">
+                <a:shade val="80000"/>
+              </a:schemeClr>
+            </a:gs>
+          </a:gsLst>
+          <a:path path="circle">
+            <a:fillToRect l="43000" r="43000" b="100000"/>
+          </a:path>
+        </a:gradFill>
+        <a:effectLst/>
+      </p:bgPr>
+    </p:bg>
     <p:spTree>
       <p:nvGrpSpPr>
         <p:cNvPr id="1" name=""/>
@@ -3564,6 +3588,140 @@
           <a:chExt cx="0" cy="0"/>
         </a:xfrm>
       </p:grpSpPr>
+      <p:sp useBgFill="1">
+        <p:nvSpPr>
+          <p:cNvPr id="21" name="Rectangle 20">
+            <a:extLst>
+              <a:ext uri="{FF2B5EF4-FFF2-40B4-BE49-F238E27FC236}">
+                <a16:creationId xmlns:a16="http://schemas.microsoft.com/office/drawing/2014/main" id="{B0013D77-6314-4D7E-B3AE-F64340434DD7}"/>
+              </a:ext>
+              <a:ext uri="{C183D7F6-B498-43B3-948B-1728B52AA6E4}">
+                <adec:decorative xmlns:adec="http://schemas.microsoft.com/office/drawing/2017/decorative" val="1"/>
+              </a:ext>
+            </a:extLst>
+          </p:cNvPr>
+          <p:cNvSpPr>
+            <a:spLocks noGrp="1" noRot="1" noChangeAspect="1" noMove="1" noResize="1" noEditPoints="1" noAdjustHandles="1" noChangeArrowheads="1" noChangeShapeType="1" noTextEdit="1"/>
+          </p:cNvSpPr>
+          <p:nvPr>
+            <p:extLst>
+              <p:ext uri="{386F3935-93C4-4BCD-93E2-E3B085C9AB24}">
+                <p16:designElem xmlns:p16="http://schemas.microsoft.com/office/powerpoint/2015/main" val="1"/>
+              </p:ext>
+            </p:extLst>
+          </p:nvPr>
+        </p:nvSpPr>
+        <p:spPr>
+          <a:xfrm>
+            <a:off x="2" y="0"/>
+            <a:ext cx="12191695" cy="6858000"/>
+          </a:xfrm>
+          <a:prstGeom prst="rect">
+            <a:avLst/>
+          </a:prstGeom>
+          <a:ln>
+            <a:noFill/>
+          </a:ln>
+        </p:spPr>
+        <p:style>
+          <a:lnRef idx="2">
+            <a:schemeClr val="accent1">
+              <a:shade val="50000"/>
+            </a:schemeClr>
+          </a:lnRef>
+          <a:fillRef idx="1">
+            <a:schemeClr val="accent1"/>
+          </a:fillRef>
+          <a:effectRef idx="0">
+            <a:schemeClr val="accent1"/>
+          </a:effectRef>
+          <a:fontRef idx="minor">
+            <a:schemeClr val="lt1"/>
+          </a:fontRef>
+        </p:style>
+        <p:txBody>
+          <a:bodyPr rtlCol="0" anchor="ctr"/>
+          <a:lstStyle/>
+          <a:p>
+            <a:pPr algn="ctr"/>
+            <a:endParaRPr lang="en-US"/>
+          </a:p>
+        </p:txBody>
+      </p:sp>
+      <p:sp>
+        <p:nvSpPr>
+          <p:cNvPr id="23" name="Rectangle 22">
+            <a:extLst>
+              <a:ext uri="{FF2B5EF4-FFF2-40B4-BE49-F238E27FC236}">
+                <a16:creationId xmlns:a16="http://schemas.microsoft.com/office/drawing/2014/main" id="{4F504834-5C3B-4268-AA97-192F1C8B30C5}"/>
+              </a:ext>
+              <a:ext uri="{C183D7F6-B498-43B3-948B-1728B52AA6E4}">
+                <adec:decorative xmlns:adec="http://schemas.microsoft.com/office/drawing/2017/decorative" val="1"/>
+              </a:ext>
+            </a:extLst>
+          </p:cNvPr>
+          <p:cNvSpPr>
+            <a:spLocks noGrp="1" noRot="1" noChangeAspect="1" noMove="1" noResize="1" noEditPoints="1" noAdjustHandles="1" noChangeArrowheads="1" noChangeShapeType="1" noTextEdit="1"/>
+          </p:cNvSpPr>
+          <p:nvPr>
+            <p:extLst>
+              <p:ext uri="{386F3935-93C4-4BCD-93E2-E3B085C9AB24}">
+                <p16:designElem xmlns:p16="http://schemas.microsoft.com/office/powerpoint/2015/main" val="1"/>
+              </p:ext>
+            </p:extLst>
+          </p:nvPr>
+        </p:nvSpPr>
+        <p:spPr>
+          <a:xfrm>
+            <a:off x="0" y="2019476"/>
+            <a:ext cx="12192000" cy="4105941"/>
+          </a:xfrm>
+          <a:prstGeom prst="rect">
+            <a:avLst/>
+          </a:prstGeom>
+          <a:gradFill flip="none" rotWithShape="1">
+            <a:gsLst>
+              <a:gs pos="0">
+                <a:schemeClr val="bg2">
+                  <a:alpha val="0"/>
+                </a:schemeClr>
+              </a:gs>
+              <a:gs pos="100000">
+                <a:schemeClr val="bg2"/>
+              </a:gs>
+            </a:gsLst>
+            <a:lin ang="5400000" scaled="0"/>
+            <a:tileRect/>
+          </a:gradFill>
+          <a:ln>
+            <a:noFill/>
+          </a:ln>
+        </p:spPr>
+        <p:style>
+          <a:lnRef idx="2">
+            <a:schemeClr val="accent1">
+              <a:shade val="50000"/>
+            </a:schemeClr>
+          </a:lnRef>
+          <a:fillRef idx="1">
+            <a:schemeClr val="accent1"/>
+          </a:fillRef>
+          <a:effectRef idx="0">
+            <a:schemeClr val="accent1"/>
+          </a:effectRef>
+          <a:fontRef idx="minor">
+            <a:schemeClr val="lt1"/>
+          </a:fontRef>
+        </p:style>
+        <p:txBody>
+          <a:bodyPr rtlCol="0" anchor="ctr"/>
+          <a:lstStyle/>
+          <a:p>
+            <a:pPr lvl="0" algn="ctr"/>
+            <a:endParaRPr lang="en-US"/>
+          </a:p>
+        </p:txBody>
+      </p:sp>
       <p:sp>
         <p:nvSpPr>
           <p:cNvPr id="2" name="Title 1">
@@ -3580,43 +3738,32 @@
             <p:ph type="ctrTitle"/>
           </p:nvPr>
         </p:nvSpPr>
-        <p:spPr/>
+        <p:spPr>
+          <a:xfrm>
+            <a:off x="1452617" y="976508"/>
+            <a:ext cx="5525305" cy="2367221"/>
+          </a:xfrm>
+        </p:spPr>
         <p:txBody>
           <a:bodyPr>
-            <a:noAutofit/>
+            <a:normAutofit/>
           </a:bodyPr>
           <a:lstStyle/>
           <a:p>
             <a:r>
-              <a:rPr lang="en-US" sz="4800" b="0" i="0" u="none" strike="noStrike" dirty="0">
-                <a:solidFill>
-                  <a:srgbClr val="000000"/>
-                </a:solidFill>
+              <a:rPr lang="en-US" sz="3400" b="0" i="0" u="none" strike="noStrike">
                 <a:effectLst/>
                 <a:latin typeface="-webkit-standard"/>
               </a:rPr>
-              <a:t>AI-Powered Triage System: Revolutionizing Urgent </a:t>
-            </a:r>
-            <a:r>
-              <a:rPr lang="en-US" sz="4800" b="0" i="0" u="none" strike="noStrike" dirty="0" err="1">
-                <a:solidFill>
-                  <a:srgbClr val="000000"/>
-                </a:solidFill>
-                <a:effectLst/>
-                <a:latin typeface="-webkit-standard"/>
-              </a:rPr>
-              <a:t>CarE</a:t>
+              <a:t>AI-Powered Triage System: Revolutionizing Urgent CarE</a:t>
             </a:r>
             <a:br>
-              <a:rPr lang="en-US" sz="4800" b="1" i="0" u="none" strike="noStrike" dirty="0">
-                <a:solidFill>
-                  <a:srgbClr val="F0F6FC"/>
-                </a:solidFill>
+              <a:rPr lang="en-US" sz="3400" b="1" i="0" u="none" strike="noStrike">
                 <a:effectLst/>
                 <a:latin typeface="-apple-system"/>
               </a:rPr>
             </a:br>
-            <a:endParaRPr lang="en-US" sz="4800" dirty="0"/>
+            <a:endParaRPr lang="en-US" sz="3400"/>
           </a:p>
         </p:txBody>
       </p:sp>
@@ -3636,18 +3783,410 @@
             <p:ph type="subTitle" idx="1"/>
           </p:nvPr>
         </p:nvSpPr>
-        <p:spPr/>
-        <p:txBody>
-          <a:bodyPr/>
-          <a:lstStyle/>
-          <a:p>
-            <a:r>
-              <a:rPr lang="en-US" dirty="0"/>
-              <a:t>Will Mikel</a:t>
-            </a:r>
-          </a:p>
-        </p:txBody>
-      </p:sp>
+        <p:spPr>
+          <a:xfrm>
+            <a:off x="1452617" y="3531204"/>
+            <a:ext cx="5530919" cy="1606576"/>
+          </a:xfrm>
+        </p:spPr>
+        <p:txBody>
+          <a:bodyPr>
+            <a:normAutofit/>
+          </a:bodyPr>
+          <a:lstStyle/>
+          <a:p>
+            <a:r>
+              <a:rPr lang="en-US"/>
+              <a:t>Coding by: Will Mikel</a:t>
+            </a:r>
+          </a:p>
+          <a:p>
+            <a:r>
+              <a:rPr lang="en-US"/>
+              <a:t>Attributions To: </a:t>
+            </a:r>
+            <a:r>
+              <a:rPr lang="en-US">
+                <a:latin typeface="-apple-system"/>
+              </a:rPr>
+              <a:t>YUJI1702</a:t>
+            </a:r>
+            <a:endParaRPr lang="en-US" dirty="0"/>
+          </a:p>
+        </p:txBody>
+      </p:sp>
+      <p:cxnSp>
+        <p:nvCxnSpPr>
+          <p:cNvPr id="24" name="Straight Connector 23">
+            <a:extLst>
+              <a:ext uri="{FF2B5EF4-FFF2-40B4-BE49-F238E27FC236}">
+                <a16:creationId xmlns:a16="http://schemas.microsoft.com/office/drawing/2014/main" id="{08499C1D-827E-4262-9D7E-C9C5D41F74D3}"/>
+              </a:ext>
+              <a:ext uri="{C183D7F6-B498-43B3-948B-1728B52AA6E4}">
+                <adec:decorative xmlns:adec="http://schemas.microsoft.com/office/drawing/2017/decorative" val="1"/>
+              </a:ext>
+            </a:extLst>
+          </p:cNvPr>
+          <p:cNvCxnSpPr>
+            <a:cxnSpLocks noGrp="1" noRot="1" noChangeAspect="1" noMove="1" noResize="1" noEditPoints="1" noAdjustHandles="1" noChangeArrowheads="1" noChangeShapeType="1"/>
+          </p:cNvCxnSpPr>
+          <p:nvPr>
+            <p:extLst>
+              <p:ext uri="{386F3935-93C4-4BCD-93E2-E3B085C9AB24}">
+                <p16:designElem xmlns:p16="http://schemas.microsoft.com/office/powerpoint/2015/main" val="1"/>
+              </p:ext>
+            </p:extLst>
+          </p:nvPr>
+        </p:nvCxnSpPr>
+        <p:spPr>
+          <a:xfrm>
+            <a:off x="1452618" y="3528543"/>
+            <a:ext cx="5536119" cy="0"/>
+          </a:xfrm>
+          <a:prstGeom prst="line">
+            <a:avLst/>
+          </a:prstGeom>
+          <a:ln w="31750"/>
+        </p:spPr>
+        <p:style>
+          <a:lnRef idx="3">
+            <a:schemeClr val="accent1"/>
+          </a:lnRef>
+          <a:fillRef idx="0">
+            <a:schemeClr val="accent1"/>
+          </a:fillRef>
+          <a:effectRef idx="2">
+            <a:schemeClr val="accent1"/>
+          </a:effectRef>
+          <a:fontRef idx="minor">
+            <a:schemeClr val="tx1"/>
+          </a:fontRef>
+        </p:style>
+      </p:cxnSp>
+      <p:grpSp>
+        <p:nvGrpSpPr>
+          <p:cNvPr id="25" name="Group 24">
+            <a:extLst>
+              <a:ext uri="{FF2B5EF4-FFF2-40B4-BE49-F238E27FC236}">
+                <a16:creationId xmlns:a16="http://schemas.microsoft.com/office/drawing/2014/main" id="{14769521-3FF2-4900-8E88-FE324129CBCF}"/>
+              </a:ext>
+              <a:ext uri="{C183D7F6-B498-43B3-948B-1728B52AA6E4}">
+                <adec:decorative xmlns:adec="http://schemas.microsoft.com/office/drawing/2017/decorative" val="1"/>
+              </a:ext>
+            </a:extLst>
+          </p:cNvPr>
+          <p:cNvGrpSpPr>
+            <a:grpSpLocks noGrp="1" noUngrp="1" noRot="1" noChangeAspect="1" noMove="1" noResize="1"/>
+          </p:cNvGrpSpPr>
+          <p:nvPr>
+            <p:extLst>
+              <p:ext uri="{386F3935-93C4-4BCD-93E2-E3B085C9AB24}">
+                <p16:designElem xmlns:p16="http://schemas.microsoft.com/office/powerpoint/2015/main" val="1"/>
+              </p:ext>
+            </p:extLst>
+          </p:nvPr>
+        </p:nvGrpSpPr>
+        <p:grpSpPr>
+          <a:xfrm>
+            <a:off x="7477388" y="482171"/>
+            <a:ext cx="4074533" cy="5149101"/>
+            <a:chOff x="7463259" y="583365"/>
+            <a:chExt cx="4074533" cy="5181928"/>
+          </a:xfrm>
+        </p:grpSpPr>
+        <p:sp>
+          <p:nvSpPr>
+            <p:cNvPr id="17" name="Rectangle 16">
+              <a:extLst>
+                <a:ext uri="{FF2B5EF4-FFF2-40B4-BE49-F238E27FC236}">
+                  <a16:creationId xmlns:a16="http://schemas.microsoft.com/office/drawing/2014/main" id="{81FA2858-515C-4B19-957E-E33BE2525AA8}"/>
+                </a:ext>
+                <a:ext uri="{C183D7F6-B498-43B3-948B-1728B52AA6E4}">
+                  <adec:decorative xmlns:adec="http://schemas.microsoft.com/office/drawing/2017/decorative" val="1"/>
+                </a:ext>
+              </a:extLst>
+            </p:cNvPr>
+            <p:cNvSpPr/>
+            <p:nvPr>
+              <p:extLst>
+                <p:ext uri="{386F3935-93C4-4BCD-93E2-E3B085C9AB24}">
+                  <p16:designElem xmlns:p16="http://schemas.microsoft.com/office/powerpoint/2015/main" val="1"/>
+                </p:ext>
+              </p:extLst>
+            </p:nvPr>
+          </p:nvSpPr>
+          <p:spPr>
+            <a:xfrm>
+              <a:off x="7463259" y="583365"/>
+              <a:ext cx="4074533" cy="5181928"/>
+            </a:xfrm>
+            <a:prstGeom prst="rect">
+              <a:avLst/>
+            </a:prstGeom>
+            <a:gradFill>
+              <a:gsLst>
+                <a:gs pos="0">
+                  <a:srgbClr val="000001"/>
+                </a:gs>
+                <a:gs pos="100000">
+                  <a:srgbClr val="191919"/>
+                </a:gs>
+              </a:gsLst>
+            </a:gradFill>
+            <a:ln w="76200" cmpd="sng">
+              <a:noFill/>
+              <a:miter lim="800000"/>
+            </a:ln>
+            <a:effectLst>
+              <a:outerShdw blurRad="127000" dist="228600" dir="4740000" sx="98000" sy="98000" algn="tl" rotWithShape="0">
+                <a:srgbClr val="000000">
+                  <a:alpha val="34000"/>
+                </a:srgbClr>
+              </a:outerShdw>
+            </a:effectLst>
+            <a:scene3d>
+              <a:camera prst="orthographicFront"/>
+              <a:lightRig rig="threePt" dir="t"/>
+            </a:scene3d>
+            <a:sp3d>
+              <a:bevelT w="152400" h="50800" prst="softRound"/>
+            </a:sp3d>
+          </p:spPr>
+          <p:style>
+            <a:lnRef idx="1">
+              <a:schemeClr val="accent1"/>
+            </a:lnRef>
+            <a:fillRef idx="3">
+              <a:schemeClr val="accent1"/>
+            </a:fillRef>
+            <a:effectRef idx="2">
+              <a:schemeClr val="accent1"/>
+            </a:effectRef>
+            <a:fontRef idx="minor">
+              <a:schemeClr val="lt1"/>
+            </a:fontRef>
+          </p:style>
+          <p:txBody>
+            <a:bodyPr rtlCol="0" anchor="ctr"/>
+            <a:lstStyle/>
+            <a:p>
+              <a:pPr algn="ctr"/>
+              <a:endParaRPr lang="en-US"/>
+            </a:p>
+          </p:txBody>
+        </p:sp>
+        <p:sp>
+          <p:nvSpPr>
+            <p:cNvPr id="26" name="Rectangle 25">
+              <a:extLst>
+                <a:ext uri="{FF2B5EF4-FFF2-40B4-BE49-F238E27FC236}">
+                  <a16:creationId xmlns:a16="http://schemas.microsoft.com/office/drawing/2014/main" id="{1C120D3D-6DFE-4D3F-821A-5DEB60B854AD}"/>
+                </a:ext>
+                <a:ext uri="{C183D7F6-B498-43B3-948B-1728B52AA6E4}">
+                  <adec:decorative xmlns:adec="http://schemas.microsoft.com/office/drawing/2017/decorative" val="1"/>
+                </a:ext>
+              </a:extLst>
+            </p:cNvPr>
+            <p:cNvSpPr/>
+            <p:nvPr>
+              <p:extLst>
+                <p:ext uri="{386F3935-93C4-4BCD-93E2-E3B085C9AB24}">
+                  <p16:designElem xmlns:p16="http://schemas.microsoft.com/office/powerpoint/2015/main" val="1"/>
+                </p:ext>
+              </p:extLst>
+            </p:nvPr>
+          </p:nvSpPr>
+          <p:spPr>
+            <a:xfrm>
+              <a:off x="7776318" y="915807"/>
+              <a:ext cx="3450289" cy="4494927"/>
+            </a:xfrm>
+            <a:prstGeom prst="rect">
+              <a:avLst/>
+            </a:prstGeom>
+            <a:gradFill>
+              <a:gsLst>
+                <a:gs pos="0">
+                  <a:srgbClr val="DADADA"/>
+                </a:gs>
+                <a:gs pos="100000">
+                  <a:srgbClr val="FFFFFE"/>
+                </a:gs>
+              </a:gsLst>
+              <a:lin ang="16200000" scaled="0"/>
+            </a:gradFill>
+            <a:ln w="50800" cmpd="sng">
+              <a:solidFill>
+                <a:srgbClr val="191919"/>
+              </a:solidFill>
+              <a:miter lim="800000"/>
+            </a:ln>
+            <a:effectLst>
+              <a:innerShdw blurRad="63500" dist="88900" dir="14100000">
+                <a:srgbClr val="000000">
+                  <a:alpha val="30000"/>
+                </a:srgbClr>
+              </a:innerShdw>
+            </a:effectLst>
+            <a:scene3d>
+              <a:camera prst="orthographicFront"/>
+              <a:lightRig rig="threePt" dir="t"/>
+            </a:scene3d>
+            <a:sp3d>
+              <a:bevelT prst="relaxedInset"/>
+            </a:sp3d>
+          </p:spPr>
+          <p:style>
+            <a:lnRef idx="1">
+              <a:schemeClr val="accent1"/>
+            </a:lnRef>
+            <a:fillRef idx="3">
+              <a:schemeClr val="accent1"/>
+            </a:fillRef>
+            <a:effectRef idx="2">
+              <a:schemeClr val="accent1"/>
+            </a:effectRef>
+            <a:fontRef idx="minor">
+              <a:schemeClr val="lt1"/>
+            </a:fontRef>
+          </p:style>
+          <p:txBody>
+            <a:bodyPr rtlCol="0" anchor="ctr"/>
+            <a:lstStyle/>
+            <a:p>
+              <a:pPr algn="ctr"/>
+              <a:endParaRPr lang="en-US"/>
+            </a:p>
+          </p:txBody>
+        </p:sp>
+      </p:grpSp>
+      <p:pic>
+        <p:nvPicPr>
+          <p:cNvPr id="5" name="Picture 4">
+            <a:extLst>
+              <a:ext uri="{FF2B5EF4-FFF2-40B4-BE49-F238E27FC236}">
+                <a16:creationId xmlns:a16="http://schemas.microsoft.com/office/drawing/2014/main" id="{D73839D5-C913-9E79-BC15-815262D3490C}"/>
+              </a:ext>
+            </a:extLst>
+          </p:cNvPr>
+          <p:cNvPicPr>
+            <a:picLocks noChangeAspect="1"/>
+          </p:cNvPicPr>
+          <p:nvPr/>
+        </p:nvPicPr>
+        <p:blipFill>
+          <a:blip r:embed="rId2"/>
+          <a:srcRect b="2228"/>
+          <a:stretch/>
+        </p:blipFill>
+        <p:spPr>
+          <a:xfrm>
+            <a:off x="8116373" y="1116345"/>
+            <a:ext cx="2799103" cy="3866172"/>
+          </a:xfrm>
+          <a:prstGeom prst="rect">
+            <a:avLst/>
+          </a:prstGeom>
+        </p:spPr>
+      </p:pic>
+      <p:pic>
+        <p:nvPicPr>
+          <p:cNvPr id="20" name="Picture 19">
+            <a:extLst>
+              <a:ext uri="{FF2B5EF4-FFF2-40B4-BE49-F238E27FC236}">
+                <a16:creationId xmlns:a16="http://schemas.microsoft.com/office/drawing/2014/main" id="{734D3980-B8F4-49E4-BADC-88E2D3517DEA}"/>
+              </a:ext>
+              <a:ext uri="{C183D7F6-B498-43B3-948B-1728B52AA6E4}">
+                <adec:decorative xmlns:adec="http://schemas.microsoft.com/office/drawing/2017/decorative" val="1"/>
+              </a:ext>
+            </a:extLst>
+          </p:cNvPr>
+          <p:cNvPicPr>
+            <a:picLocks noGrp="1" noRot="1" noChangeAspect="1" noMove="1" noResize="1" noEditPoints="1" noAdjustHandles="1" noChangeArrowheads="1" noChangeShapeType="1" noCrop="1"/>
+          </p:cNvPicPr>
+          <p:nvPr>
+            <p:extLst>
+              <p:ext uri="{386F3935-93C4-4BCD-93E2-E3B085C9AB24}">
+                <p16:designElem xmlns:p16="http://schemas.microsoft.com/office/powerpoint/2015/main" val="1"/>
+              </p:ext>
+            </p:extLst>
+          </p:nvPr>
+        </p:nvPicPr>
+        <p:blipFill rotWithShape="1">
+          <a:blip r:embed="rId3">
+            <a:extLst>
+              <a:ext uri="{28A0092B-C50C-407E-A947-70E740481C1C}">
+                <a14:useLocalDpi xmlns:a14="http://schemas.microsoft.com/office/drawing/2010/main" val="0"/>
+              </a:ext>
+            </a:extLst>
+          </a:blip>
+          <a:srcRect t="1538" b="-1538"/>
+          <a:stretch/>
+        </p:blipFill>
+        <p:spPr bwMode="black">
+          <a:xfrm>
+            <a:off x="0" y="6126480"/>
+            <a:ext cx="12192000" cy="742950"/>
+          </a:xfrm>
+          <a:prstGeom prst="rect">
+            <a:avLst/>
+          </a:prstGeom>
+        </p:spPr>
+      </p:pic>
+      <p:cxnSp>
+        <p:nvCxnSpPr>
+          <p:cNvPr id="22" name="Straight Connector 21">
+            <a:extLst>
+              <a:ext uri="{FF2B5EF4-FFF2-40B4-BE49-F238E27FC236}">
+                <a16:creationId xmlns:a16="http://schemas.microsoft.com/office/drawing/2014/main" id="{90E57DF2-FA2B-4494-B47E-8180C63267B4}"/>
+              </a:ext>
+              <a:ext uri="{C183D7F6-B498-43B3-948B-1728B52AA6E4}">
+                <adec:decorative xmlns:adec="http://schemas.microsoft.com/office/drawing/2017/decorative" val="1"/>
+              </a:ext>
+            </a:extLst>
+          </p:cNvPr>
+          <p:cNvCxnSpPr>
+            <a:cxnSpLocks noGrp="1" noRot="1" noChangeAspect="1" noMove="1" noResize="1" noEditPoints="1" noAdjustHandles="1" noChangeArrowheads="1" noChangeShapeType="1"/>
+          </p:cNvCxnSpPr>
+          <p:nvPr>
+            <p:extLst>
+              <p:ext uri="{386F3935-93C4-4BCD-93E2-E3B085C9AB24}">
+                <p16:designElem xmlns:p16="http://schemas.microsoft.com/office/powerpoint/2015/main" val="1"/>
+              </p:ext>
+            </p:extLst>
+          </p:nvPr>
+        </p:nvCxnSpPr>
+        <p:spPr>
+          <a:xfrm>
+            <a:off x="0" y="6128413"/>
+            <a:ext cx="12192000" cy="0"/>
+          </a:xfrm>
+          <a:prstGeom prst="line">
+            <a:avLst/>
+          </a:prstGeom>
+          <a:ln w="12700">
+            <a:solidFill>
+              <a:srgbClr val="000001">
+                <a:alpha val="20000"/>
+              </a:srgbClr>
+            </a:solidFill>
+          </a:ln>
+        </p:spPr>
+        <p:style>
+          <a:lnRef idx="1">
+            <a:schemeClr val="accent1"/>
+          </a:lnRef>
+          <a:fillRef idx="0">
+            <a:schemeClr val="accent1"/>
+          </a:fillRef>
+          <a:effectRef idx="0">
+            <a:schemeClr val="accent1"/>
+          </a:effectRef>
+          <a:fontRef idx="minor">
+            <a:schemeClr val="tx1"/>
+          </a:fontRef>
+        </p:style>
+      </p:cxnSp>
     </p:spTree>
     <p:extLst>
       <p:ext uri="{BB962C8B-B14F-4D97-AF65-F5344CB8AC3E}">
@@ -3658,12 +4197,239 @@
   <p:clrMapOvr>
     <a:masterClrMapping/>
   </p:clrMapOvr>
+  <p:timing>
+    <p:tnLst>
+      <p:par>
+        <p:cTn id="1" dur="indefinite" restart="never" nodeType="tmRoot">
+          <p:childTnLst>
+            <p:seq concurrent="1" nextAc="seek">
+              <p:cTn id="2" dur="indefinite" nodeType="mainSeq">
+                <p:childTnLst>
+                  <p:par>
+                    <p:cTn id="3" fill="hold">
+                      <p:stCondLst>
+                        <p:cond delay="indefinite"/>
+                        <p:cond evt="onBegin" delay="0">
+                          <p:tn val="2"/>
+                        </p:cond>
+                      </p:stCondLst>
+                      <p:childTnLst>
+                        <p:par>
+                          <p:cTn id="4" fill="hold">
+                            <p:stCondLst>
+                              <p:cond delay="0"/>
+                            </p:stCondLst>
+                            <p:childTnLst>
+                              <p:par>
+                                <p:cTn id="5" presetID="10" presetClass="entr" presetSubtype="0" fill="hold" grpId="0" nodeType="withEffect">
+                                  <p:stCondLst>
+                                    <p:cond delay="1000"/>
+                                  </p:stCondLst>
+                                  <p:iterate>
+                                    <p:tmPct val="10000"/>
+                                  </p:iterate>
+                                  <p:childTnLst>
+                                    <p:set>
+                                      <p:cBhvr>
+                                        <p:cTn id="6" dur="1" fill="hold">
+                                          <p:stCondLst>
+                                            <p:cond delay="0"/>
+                                          </p:stCondLst>
+                                        </p:cTn>
+                                        <p:tgtEl>
+                                          <p:spTgt spid="2"/>
+                                        </p:tgtEl>
+                                        <p:attrNameLst>
+                                          <p:attrName>style.visibility</p:attrName>
+                                        </p:attrNameLst>
+                                      </p:cBhvr>
+                                      <p:to>
+                                        <p:strVal val="visible"/>
+                                      </p:to>
+                                    </p:set>
+                                    <p:animEffect transition="in" filter="fade">
+                                      <p:cBhvr>
+                                        <p:cTn id="7" dur="700"/>
+                                        <p:tgtEl>
+                                          <p:spTgt spid="2"/>
+                                        </p:tgtEl>
+                                      </p:cBhvr>
+                                    </p:animEffect>
+                                  </p:childTnLst>
+                                </p:cTn>
+                              </p:par>
+                              <p:par>
+                                <p:cTn id="8" presetID="10" presetClass="entr" presetSubtype="0" fill="hold" grpId="0" nodeType="withEffect">
+                                  <p:stCondLst>
+                                    <p:cond delay="1500"/>
+                                  </p:stCondLst>
+                                  <p:iterate>
+                                    <p:tmPct val="10000"/>
+                                  </p:iterate>
+                                  <p:childTnLst>
+                                    <p:set>
+                                      <p:cBhvr>
+                                        <p:cTn id="9" dur="1" fill="hold">
+                                          <p:stCondLst>
+                                            <p:cond delay="0"/>
+                                          </p:stCondLst>
+                                        </p:cTn>
+                                        <p:tgtEl>
+                                          <p:spTgt spid="3">
+                                            <p:txEl>
+                                              <p:pRg st="0" end="0"/>
+                                            </p:txEl>
+                                          </p:spTgt>
+                                        </p:tgtEl>
+                                        <p:attrNameLst>
+                                          <p:attrName>style.visibility</p:attrName>
+                                        </p:attrNameLst>
+                                      </p:cBhvr>
+                                      <p:to>
+                                        <p:strVal val="visible"/>
+                                      </p:to>
+                                    </p:set>
+                                    <p:animEffect transition="in" filter="fade">
+                                      <p:cBhvr>
+                                        <p:cTn id="10" dur="700"/>
+                                        <p:tgtEl>
+                                          <p:spTgt spid="3">
+                                            <p:txEl>
+                                              <p:pRg st="0" end="0"/>
+                                            </p:txEl>
+                                          </p:spTgt>
+                                        </p:tgtEl>
+                                      </p:cBhvr>
+                                    </p:animEffect>
+                                  </p:childTnLst>
+                                </p:cTn>
+                              </p:par>
+                            </p:childTnLst>
+                          </p:cTn>
+                        </p:par>
+                      </p:childTnLst>
+                    </p:cTn>
+                  </p:par>
+                  <p:par>
+                    <p:cTn id="11" fill="hold">
+                      <p:stCondLst>
+                        <p:cond delay="indefinite"/>
+                      </p:stCondLst>
+                      <p:childTnLst>
+                        <p:par>
+                          <p:cTn id="12" fill="hold">
+                            <p:stCondLst>
+                              <p:cond delay="0"/>
+                            </p:stCondLst>
+                            <p:childTnLst>
+                              <p:par>
+                                <p:cTn id="13" presetID="10" presetClass="entr" presetSubtype="0" fill="hold" grpId="0" nodeType="clickEffect">
+                                  <p:stCondLst>
+                                    <p:cond delay="1500"/>
+                                  </p:stCondLst>
+                                  <p:iterate>
+                                    <p:tmPct val="10000"/>
+                                  </p:iterate>
+                                  <p:childTnLst>
+                                    <p:set>
+                                      <p:cBhvr>
+                                        <p:cTn id="14" dur="1" fill="hold">
+                                          <p:stCondLst>
+                                            <p:cond delay="0"/>
+                                          </p:stCondLst>
+                                        </p:cTn>
+                                        <p:tgtEl>
+                                          <p:spTgt spid="3">
+                                            <p:txEl>
+                                              <p:pRg st="1" end="1"/>
+                                            </p:txEl>
+                                          </p:spTgt>
+                                        </p:tgtEl>
+                                        <p:attrNameLst>
+                                          <p:attrName>style.visibility</p:attrName>
+                                        </p:attrNameLst>
+                                      </p:cBhvr>
+                                      <p:to>
+                                        <p:strVal val="visible"/>
+                                      </p:to>
+                                    </p:set>
+                                    <p:animEffect transition="in" filter="fade">
+                                      <p:cBhvr>
+                                        <p:cTn id="15" dur="700"/>
+                                        <p:tgtEl>
+                                          <p:spTgt spid="3">
+                                            <p:txEl>
+                                              <p:pRg st="1" end="1"/>
+                                            </p:txEl>
+                                          </p:spTgt>
+                                        </p:tgtEl>
+                                      </p:cBhvr>
+                                    </p:animEffect>
+                                  </p:childTnLst>
+                                </p:cTn>
+                              </p:par>
+                            </p:childTnLst>
+                          </p:cTn>
+                        </p:par>
+                      </p:childTnLst>
+                    </p:cTn>
+                  </p:par>
+                </p:childTnLst>
+              </p:cTn>
+              <p:prevCondLst>
+                <p:cond evt="onPrev" delay="0">
+                  <p:tgtEl>
+                    <p:sldTgt/>
+                  </p:tgtEl>
+                </p:cond>
+              </p:prevCondLst>
+              <p:nextCondLst>
+                <p:cond evt="onNext" delay="0">
+                  <p:tgtEl>
+                    <p:sldTgt/>
+                  </p:tgtEl>
+                </p:cond>
+              </p:nextCondLst>
+            </p:seq>
+          </p:childTnLst>
+        </p:cTn>
+      </p:par>
+    </p:tnLst>
+    <p:bldLst>
+      <p:bldP spid="2" grpId="0"/>
+      <p:bldP spid="3" grpId="0" build="p"/>
+    </p:bldLst>
+  </p:timing>
 </p:sld>
 </file>
 
 <file path=ppt/slides/slide2.xml><?xml version="1.0" encoding="utf-8"?>
 <p:sld xmlns:a="http://schemas.openxmlformats.org/drawingml/2006/main" xmlns:r="http://schemas.openxmlformats.org/officeDocument/2006/relationships" xmlns:p="http://schemas.openxmlformats.org/presentationml/2006/main">
   <p:cSld>
+    <p:bg>
+      <p:bgPr>
+        <a:gradFill rotWithShape="1">
+          <a:gsLst>
+            <a:gs pos="0">
+              <a:schemeClr val="bg2">
+                <a:tint val="94000"/>
+                <a:satMod val="80000"/>
+                <a:lumMod val="106000"/>
+              </a:schemeClr>
+            </a:gs>
+            <a:gs pos="100000">
+              <a:schemeClr val="bg2">
+                <a:shade val="80000"/>
+              </a:schemeClr>
+            </a:gs>
+          </a:gsLst>
+          <a:path path="circle">
+            <a:fillToRect l="43000" r="43000" b="100000"/>
+          </a:path>
+        </a:gradFill>
+        <a:effectLst/>
+      </p:bgPr>
+    </p:bg>
     <p:spTree>
       <p:nvGrpSpPr>
         <p:cNvPr id="1" name=""/>
@@ -3678,6 +4444,114 @@
           <a:chExt cx="0" cy="0"/>
         </a:xfrm>
       </p:grpSpPr>
+      <p:sp useBgFill="1">
+        <p:nvSpPr>
+          <p:cNvPr id="24" name="Rectangle 23">
+            <a:extLst>
+              <a:ext uri="{FF2B5EF4-FFF2-40B4-BE49-F238E27FC236}">
+                <a16:creationId xmlns:a16="http://schemas.microsoft.com/office/drawing/2014/main" id="{742C14A9-3617-46DD-9FC4-ED828A7D3E6F}"/>
+              </a:ext>
+              <a:ext uri="{C183D7F6-B498-43B3-948B-1728B52AA6E4}">
+                <adec:decorative xmlns:adec="http://schemas.microsoft.com/office/drawing/2017/decorative" val="1"/>
+              </a:ext>
+            </a:extLst>
+          </p:cNvPr>
+          <p:cNvSpPr>
+            <a:spLocks noGrp="1" noRot="1" noChangeAspect="1" noMove="1" noResize="1" noEditPoints="1" noAdjustHandles="1" noChangeArrowheads="1" noChangeShapeType="1" noTextEdit="1"/>
+          </p:cNvSpPr>
+          <p:nvPr>
+            <p:extLst>
+              <p:ext uri="{386F3935-93C4-4BCD-93E2-E3B085C9AB24}">
+                <p16:designElem xmlns:p16="http://schemas.microsoft.com/office/powerpoint/2015/main" val="1"/>
+              </p:ext>
+            </p:extLst>
+          </p:nvPr>
+        </p:nvSpPr>
+        <p:spPr>
+          <a:xfrm>
+            <a:off x="2" y="0"/>
+            <a:ext cx="12191695" cy="6858000"/>
+          </a:xfrm>
+          <a:prstGeom prst="rect">
+            <a:avLst/>
+          </a:prstGeom>
+          <a:ln>
+            <a:noFill/>
+          </a:ln>
+        </p:spPr>
+        <p:style>
+          <a:lnRef idx="2">
+            <a:schemeClr val="accent1">
+              <a:shade val="50000"/>
+            </a:schemeClr>
+          </a:lnRef>
+          <a:fillRef idx="1">
+            <a:schemeClr val="accent1"/>
+          </a:fillRef>
+          <a:effectRef idx="0">
+            <a:schemeClr val="accent1"/>
+          </a:effectRef>
+          <a:fontRef idx="minor">
+            <a:schemeClr val="lt1"/>
+          </a:fontRef>
+        </p:style>
+        <p:txBody>
+          <a:bodyPr rtlCol="0" anchor="ctr"/>
+          <a:lstStyle/>
+          <a:p>
+            <a:pPr algn="ctr"/>
+            <a:endParaRPr lang="en-US"/>
+          </a:p>
+        </p:txBody>
+      </p:sp>
+      <p:cxnSp>
+        <p:nvCxnSpPr>
+          <p:cNvPr id="26" name="Straight Connector 25">
+            <a:extLst>
+              <a:ext uri="{FF2B5EF4-FFF2-40B4-BE49-F238E27FC236}">
+                <a16:creationId xmlns:a16="http://schemas.microsoft.com/office/drawing/2014/main" id="{19AB0109-1C89-41F0-9EDF-3DE017BE3F27}"/>
+              </a:ext>
+              <a:ext uri="{C183D7F6-B498-43B3-948B-1728B52AA6E4}">
+                <adec:decorative xmlns:adec="http://schemas.microsoft.com/office/drawing/2017/decorative" val="1"/>
+              </a:ext>
+            </a:extLst>
+          </p:cNvPr>
+          <p:cNvCxnSpPr>
+            <a:cxnSpLocks noGrp="1" noRot="1" noChangeAspect="1" noMove="1" noResize="1" noEditPoints="1" noAdjustHandles="1" noChangeArrowheads="1" noChangeShapeType="1"/>
+          </p:cNvCxnSpPr>
+          <p:nvPr>
+            <p:extLst>
+              <p:ext uri="{386F3935-93C4-4BCD-93E2-E3B085C9AB24}">
+                <p16:designElem xmlns:p16="http://schemas.microsoft.com/office/powerpoint/2015/main" val="1"/>
+              </p:ext>
+            </p:extLst>
+          </p:nvPr>
+        </p:nvCxnSpPr>
+        <p:spPr>
+          <a:xfrm>
+            <a:off x="1453897" y="1847088"/>
+            <a:ext cx="5548039" cy="0"/>
+          </a:xfrm>
+          <a:prstGeom prst="line">
+            <a:avLst/>
+          </a:prstGeom>
+          <a:ln w="31750"/>
+        </p:spPr>
+        <p:style>
+          <a:lnRef idx="3">
+            <a:schemeClr val="accent1"/>
+          </a:lnRef>
+          <a:fillRef idx="0">
+            <a:schemeClr val="accent1"/>
+          </a:fillRef>
+          <a:effectRef idx="2">
+            <a:schemeClr val="accent1"/>
+          </a:effectRef>
+          <a:fontRef idx="minor">
+            <a:schemeClr val="tx1"/>
+          </a:fontRef>
+        </p:style>
+      </p:cxnSp>
       <p:sp>
         <p:nvSpPr>
           <p:cNvPr id="2" name="Title 1">
@@ -3694,21 +4568,99 @@
             <p:ph type="title"/>
           </p:nvPr>
         </p:nvSpPr>
-        <p:spPr/>
-        <p:txBody>
-          <a:bodyPr/>
-          <a:lstStyle/>
-          <a:p>
-            <a:r>
-              <a:rPr lang="en-US" b="0" i="0" u="none" strike="noStrike">
-                <a:solidFill>
-                  <a:srgbClr val="000000"/>
-                </a:solidFill>
+        <p:spPr>
+          <a:xfrm>
+            <a:off x="1451579" y="804519"/>
+            <a:ext cx="5550357" cy="1049235"/>
+          </a:xfrm>
+        </p:spPr>
+        <p:txBody>
+          <a:bodyPr>
+            <a:normAutofit/>
+          </a:bodyPr>
+          <a:lstStyle/>
+          <a:p>
+            <a:r>
+              <a:rPr lang="en-US" sz="2200" b="0" i="0" u="none" strike="noStrike">
                 <a:effectLst/>
                 <a:latin typeface="-webkit-standard"/>
               </a:rPr>
               <a:t>AI-Powered Triage System: Prioritizing Patient Care, Saving Lives</a:t>
             </a:r>
+            <a:endParaRPr lang="en-US" sz="2200"/>
+          </a:p>
+        </p:txBody>
+      </p:sp>
+      <p:sp>
+        <p:nvSpPr>
+          <p:cNvPr id="28" name="Rectangle 27">
+            <a:extLst>
+              <a:ext uri="{FF2B5EF4-FFF2-40B4-BE49-F238E27FC236}">
+                <a16:creationId xmlns:a16="http://schemas.microsoft.com/office/drawing/2014/main" id="{19E5CB6C-D5A1-44AB-BAD0-E76C67ED2802}"/>
+              </a:ext>
+              <a:ext uri="{C183D7F6-B498-43B3-948B-1728B52AA6E4}">
+                <adec:decorative xmlns:adec="http://schemas.microsoft.com/office/drawing/2017/decorative" val="1"/>
+              </a:ext>
+            </a:extLst>
+          </p:cNvPr>
+          <p:cNvSpPr>
+            <a:spLocks noGrp="1" noRot="1" noChangeAspect="1" noMove="1" noResize="1" noEditPoints="1" noAdjustHandles="1" noChangeArrowheads="1" noChangeShapeType="1" noTextEdit="1"/>
+          </p:cNvSpPr>
+          <p:nvPr>
+            <p:extLst>
+              <p:ext uri="{386F3935-93C4-4BCD-93E2-E3B085C9AB24}">
+                <p16:designElem xmlns:p16="http://schemas.microsoft.com/office/powerpoint/2015/main" val="1"/>
+              </p:ext>
+            </p:extLst>
+          </p:nvPr>
+        </p:nvSpPr>
+        <p:spPr>
+          <a:xfrm>
+            <a:off x="0" y="2019476"/>
+            <a:ext cx="12192000" cy="4105941"/>
+          </a:xfrm>
+          <a:prstGeom prst="rect">
+            <a:avLst/>
+          </a:prstGeom>
+          <a:gradFill flip="none" rotWithShape="1">
+            <a:gsLst>
+              <a:gs pos="0">
+                <a:schemeClr val="bg2">
+                  <a:alpha val="0"/>
+                </a:schemeClr>
+              </a:gs>
+              <a:gs pos="100000">
+                <a:schemeClr val="bg2"/>
+              </a:gs>
+            </a:gsLst>
+            <a:lin ang="5400000" scaled="0"/>
+            <a:tileRect/>
+          </a:gradFill>
+          <a:ln>
+            <a:noFill/>
+          </a:ln>
+        </p:spPr>
+        <p:style>
+          <a:lnRef idx="2">
+            <a:schemeClr val="accent1">
+              <a:shade val="50000"/>
+            </a:schemeClr>
+          </a:lnRef>
+          <a:fillRef idx="1">
+            <a:schemeClr val="accent1"/>
+          </a:fillRef>
+          <a:effectRef idx="0">
+            <a:schemeClr val="accent1"/>
+          </a:effectRef>
+          <a:fontRef idx="minor">
+            <a:schemeClr val="lt1"/>
+          </a:fontRef>
+        </p:style>
+        <p:txBody>
+          <a:bodyPr rtlCol="0" anchor="ctr"/>
+          <a:lstStyle/>
+          <a:p>
+            <a:pPr lvl="0" algn="ctr"/>
             <a:endParaRPr lang="en-US"/>
           </a:p>
         </p:txBody>
@@ -3729,62 +4681,252 @@
             <p:ph idx="1"/>
           </p:nvPr>
         </p:nvSpPr>
-        <p:spPr/>
-        <p:txBody>
-          <a:bodyPr/>
-          <a:lstStyle/>
-          <a:p>
-            <a:r>
-              <a:rPr lang="en-US" b="1" dirty="0"/>
+        <p:spPr>
+          <a:xfrm>
+            <a:off x="1451579" y="2015732"/>
+            <a:ext cx="5550357" cy="3450613"/>
+          </a:xfrm>
+        </p:spPr>
+        <p:txBody>
+          <a:bodyPr>
+            <a:normAutofit/>
+          </a:bodyPr>
+          <a:lstStyle/>
+          <a:p>
+            <a:pPr>
+              <a:lnSpc>
+                <a:spcPct val="110000"/>
+              </a:lnSpc>
+            </a:pPr>
+            <a:r>
+              <a:rPr lang="en-US" sz="1900" b="1"/>
               <a:t>Problem</a:t>
             </a:r>
             <a:r>
-              <a:rPr lang="en-US" dirty="0"/>
+              <a:rPr lang="en-US" sz="1900"/>
               <a:t>: Delays in prioritizing critical patients lead to poor outcomes.</a:t>
             </a:r>
           </a:p>
           <a:p>
-            <a:r>
-              <a:rPr lang="en-US" b="1" dirty="0"/>
+            <a:pPr>
+              <a:lnSpc>
+                <a:spcPct val="110000"/>
+              </a:lnSpc>
+            </a:pPr>
+            <a:r>
+              <a:rPr lang="en-US" sz="1900" b="1"/>
               <a:t>Solution</a:t>
             </a:r>
             <a:r>
-              <a:rPr lang="en-US" dirty="0"/>
+              <a:rPr lang="en-US" sz="1900"/>
               <a:t>:  An AI system that automates patient prioritization.</a:t>
             </a:r>
           </a:p>
           <a:p>
-            <a:r>
-              <a:rPr lang="en-US" b="1" dirty="0"/>
+            <a:pPr>
+              <a:lnSpc>
+                <a:spcPct val="110000"/>
+              </a:lnSpc>
+            </a:pPr>
+            <a:r>
+              <a:rPr lang="en-US" sz="1900" b="1"/>
               <a:t>How It Works</a:t>
             </a:r>
             <a:r>
-              <a:rPr lang="en-US" dirty="0"/>
+              <a:rPr lang="en-US" sz="1900"/>
               <a:t>:  Visualize data flow and key features.</a:t>
             </a:r>
           </a:p>
           <a:p>
-            <a:r>
-              <a:rPr lang="en-US" b="1" dirty="0"/>
+            <a:pPr>
+              <a:lnSpc>
+                <a:spcPct val="110000"/>
+              </a:lnSpc>
+            </a:pPr>
+            <a:r>
+              <a:rPr lang="en-US" sz="1900" b="1"/>
               <a:t>Impact</a:t>
             </a:r>
             <a:r>
-              <a:rPr lang="en-US" dirty="0"/>
+              <a:rPr lang="en-US" sz="1900"/>
               <a:t>: Improved patient outcomes and efficient resource use.</a:t>
             </a:r>
           </a:p>
           <a:p>
-            <a:r>
-              <a:rPr lang="en-US" b="1" dirty="0"/>
+            <a:pPr>
+              <a:lnSpc>
+                <a:spcPct val="110000"/>
+              </a:lnSpc>
+            </a:pPr>
+            <a:r>
+              <a:rPr lang="en-US" sz="1900" b="1"/>
               <a:t>Next Steps</a:t>
             </a:r>
             <a:r>
-              <a:rPr lang="en-US" dirty="0"/>
+              <a:rPr lang="en-US" sz="1900"/>
               <a:t>: Highlight future scalability.</a:t>
             </a:r>
           </a:p>
         </p:txBody>
       </p:sp>
+      <p:pic>
+        <p:nvPicPr>
+          <p:cNvPr id="8" name="Picture 7" descr="A screenshot of a computer&#10;&#10;Description automatically generated">
+            <a:extLst>
+              <a:ext uri="{FF2B5EF4-FFF2-40B4-BE49-F238E27FC236}">
+                <a16:creationId xmlns:a16="http://schemas.microsoft.com/office/drawing/2014/main" id="{761AD1AF-7277-721C-8940-9BB731B7CCE2}"/>
+              </a:ext>
+            </a:extLst>
+          </p:cNvPr>
+          <p:cNvPicPr>
+            <a:picLocks noChangeAspect="1"/>
+          </p:cNvPicPr>
+          <p:nvPr/>
+        </p:nvPicPr>
+        <p:blipFill>
+          <a:blip r:embed="rId2"/>
+          <a:stretch>
+            <a:fillRect/>
+          </a:stretch>
+        </p:blipFill>
+        <p:spPr>
+          <a:xfrm>
+            <a:off x="7594161" y="481109"/>
+            <a:ext cx="3833701" cy="2491906"/>
+          </a:xfrm>
+          <a:prstGeom prst="rect">
+            <a:avLst/>
+          </a:prstGeom>
+        </p:spPr>
+      </p:pic>
+      <p:pic>
+        <p:nvPicPr>
+          <p:cNvPr id="6" name="Picture 5" descr="A screenshot of a computer&#10;&#10;Description automatically generated">
+            <a:extLst>
+              <a:ext uri="{FF2B5EF4-FFF2-40B4-BE49-F238E27FC236}">
+                <a16:creationId xmlns:a16="http://schemas.microsoft.com/office/drawing/2014/main" id="{0531DF45-B5E6-8724-F8DD-087F35F6F770}"/>
+              </a:ext>
+            </a:extLst>
+          </p:cNvPr>
+          <p:cNvPicPr>
+            <a:picLocks noChangeAspect="1"/>
+          </p:cNvPicPr>
+          <p:nvPr/>
+        </p:nvPicPr>
+        <p:blipFill>
+          <a:blip r:embed="rId3"/>
+          <a:stretch>
+            <a:fillRect/>
+          </a:stretch>
+        </p:blipFill>
+        <p:spPr>
+          <a:xfrm>
+            <a:off x="7594160" y="3138486"/>
+            <a:ext cx="3833703" cy="2491907"/>
+          </a:xfrm>
+          <a:prstGeom prst="rect">
+            <a:avLst/>
+          </a:prstGeom>
+        </p:spPr>
+      </p:pic>
+      <p:pic>
+        <p:nvPicPr>
+          <p:cNvPr id="30" name="Picture 29">
+            <a:extLst>
+              <a:ext uri="{FF2B5EF4-FFF2-40B4-BE49-F238E27FC236}">
+                <a16:creationId xmlns:a16="http://schemas.microsoft.com/office/drawing/2014/main" id="{D5A16967-5C32-4A48-9F02-4F0228AC8DBA}"/>
+              </a:ext>
+              <a:ext uri="{C183D7F6-B498-43B3-948B-1728B52AA6E4}">
+                <adec:decorative xmlns:adec="http://schemas.microsoft.com/office/drawing/2017/decorative" val="1"/>
+              </a:ext>
+            </a:extLst>
+          </p:cNvPr>
+          <p:cNvPicPr>
+            <a:picLocks noGrp="1" noRot="1" noChangeAspect="1" noMove="1" noResize="1" noEditPoints="1" noAdjustHandles="1" noChangeArrowheads="1" noChangeShapeType="1" noCrop="1"/>
+          </p:cNvPicPr>
+          <p:nvPr>
+            <p:extLst>
+              <p:ext uri="{386F3935-93C4-4BCD-93E2-E3B085C9AB24}">
+                <p16:designElem xmlns:p16="http://schemas.microsoft.com/office/powerpoint/2015/main" val="1"/>
+              </p:ext>
+            </p:extLst>
+          </p:nvPr>
+        </p:nvPicPr>
+        <p:blipFill rotWithShape="1">
+          <a:blip r:embed="rId4">
+            <a:extLst>
+              <a:ext uri="{28A0092B-C50C-407E-A947-70E740481C1C}">
+                <a14:useLocalDpi xmlns:a14="http://schemas.microsoft.com/office/drawing/2010/main" val="0"/>
+              </a:ext>
+            </a:extLst>
+          </a:blip>
+          <a:srcRect t="1538" b="-1538"/>
+          <a:stretch/>
+        </p:blipFill>
+        <p:spPr bwMode="black">
+          <a:xfrm>
+            <a:off x="0" y="6126480"/>
+            <a:ext cx="12192000" cy="742950"/>
+          </a:xfrm>
+          <a:prstGeom prst="rect">
+            <a:avLst/>
+          </a:prstGeom>
+        </p:spPr>
+      </p:pic>
+      <p:cxnSp>
+        <p:nvCxnSpPr>
+          <p:cNvPr id="32" name="Straight Connector 31">
+            <a:extLst>
+              <a:ext uri="{FF2B5EF4-FFF2-40B4-BE49-F238E27FC236}">
+                <a16:creationId xmlns:a16="http://schemas.microsoft.com/office/drawing/2014/main" id="{942D078B-EF20-4DB1-AA1B-87F212C56A9A}"/>
+              </a:ext>
+              <a:ext uri="{C183D7F6-B498-43B3-948B-1728B52AA6E4}">
+                <adec:decorative xmlns:adec="http://schemas.microsoft.com/office/drawing/2017/decorative" val="1"/>
+              </a:ext>
+            </a:extLst>
+          </p:cNvPr>
+          <p:cNvCxnSpPr>
+            <a:cxnSpLocks noGrp="1" noRot="1" noChangeAspect="1" noMove="1" noResize="1" noEditPoints="1" noAdjustHandles="1" noChangeArrowheads="1" noChangeShapeType="1"/>
+          </p:cNvCxnSpPr>
+          <p:nvPr>
+            <p:extLst>
+              <p:ext uri="{386F3935-93C4-4BCD-93E2-E3B085C9AB24}">
+                <p16:designElem xmlns:p16="http://schemas.microsoft.com/office/powerpoint/2015/main" val="1"/>
+              </p:ext>
+            </p:extLst>
+          </p:nvPr>
+        </p:nvCxnSpPr>
+        <p:spPr>
+          <a:xfrm>
+            <a:off x="0" y="6128413"/>
+            <a:ext cx="12192000" cy="0"/>
+          </a:xfrm>
+          <a:prstGeom prst="line">
+            <a:avLst/>
+          </a:prstGeom>
+          <a:ln w="12700">
+            <a:solidFill>
+              <a:srgbClr val="000001">
+                <a:alpha val="20000"/>
+              </a:srgbClr>
+            </a:solidFill>
+          </a:ln>
+        </p:spPr>
+        <p:style>
+          <a:lnRef idx="1">
+            <a:schemeClr val="accent1"/>
+          </a:lnRef>
+          <a:fillRef idx="0">
+            <a:schemeClr val="accent1"/>
+          </a:fillRef>
+          <a:effectRef idx="0">
+            <a:schemeClr val="accent1"/>
+          </a:effectRef>
+          <a:fontRef idx="minor">
+            <a:schemeClr val="tx1"/>
+          </a:fontRef>
+        </p:style>
+      </p:cxnSp>
     </p:spTree>
     <p:extLst>
       <p:ext uri="{BB962C8B-B14F-4D97-AF65-F5344CB8AC3E}">
